--- a/team_11_fri_demo.pptx
+++ b/team_11_fri_demo.pptx
@@ -2914,7 +2914,7 @@
             <a:pPr lvl="1"/>
             <a:r>
               <a:rPr lang="en-US" altLang="zh-CN" sz="1600" dirty="0"/>
-              <a:t>to provide better learning experience for medical training sessions</a:t>
+              <a:t> to provide better learning experience for medical training sessions</a:t>
             </a:r>
           </a:p>
           <a:p>
@@ -3047,6 +3047,36 @@
           </a:p>
         </p:txBody>
       </p:sp>
+      <p:pic>
+        <p:nvPicPr>
+          <p:cNvPr id="7" name="图片 6" descr="图示&#10;&#10;描述已自动生成">
+            <a:extLst>
+              <a:ext uri="{FF2B5EF4-FFF2-40B4-BE49-F238E27FC236}">
+                <a16:creationId xmlns:a16="http://schemas.microsoft.com/office/drawing/2014/main" id="{55C6BB22-D264-4EE0-ABA8-4C367DDB2F5D}"/>
+              </a:ext>
+            </a:extLst>
+          </p:cNvPr>
+          <p:cNvPicPr>
+            <a:picLocks noChangeAspect="1"/>
+          </p:cNvPicPr>
+          <p:nvPr/>
+        </p:nvPicPr>
+        <p:blipFill>
+          <a:blip r:embed="rId2"/>
+          <a:stretch>
+            <a:fillRect/>
+          </a:stretch>
+        </p:blipFill>
+        <p:spPr>
+          <a:xfrm>
+            <a:off x="5176685" y="1796603"/>
+            <a:ext cx="3625151" cy="2394314"/>
+          </a:xfrm>
+          <a:prstGeom prst="rect">
+            <a:avLst/>
+          </a:prstGeom>
+        </p:spPr>
+      </p:pic>
     </p:spTree>
     <p:extLst>
       <p:ext uri="{BB962C8B-B14F-4D97-AF65-F5344CB8AC3E}">

--- a/team_11_fri_demo.pptx
+++ b/team_11_fri_demo.pptx
@@ -10244,7 +10244,7 @@
           <p:nvPr>
             <p:extLst>
               <p:ext uri="{D42A27DB-BD31-4B8C-83A1-F6EECF244321}">
-                <p14:modId xmlns:p14="http://schemas.microsoft.com/office/powerpoint/2010/main" val="4067200878"/>
+                <p14:modId xmlns:p14="http://schemas.microsoft.com/office/powerpoint/2010/main" val="1675167270"/>
               </p:ext>
             </p:extLst>
           </p:nvPr>
@@ -11935,7 +11935,19 @@
                         <a:rPr lang="en-GB" sz="1600" dirty="0">
                           <a:effectLst/>
                         </a:rPr>
-                        <a:t>Programmer, Tester, Researcher, Report Editor</a:t>
+                        <a:t>Programmer</a:t>
+                      </a:r>
+                      <a:r>
+                        <a:rPr lang="en-GB" sz="1600">
+                          <a:effectLst/>
+                        </a:rPr>
+                        <a:t>, Researcher, Report </a:t>
+                      </a:r>
+                      <a:r>
+                        <a:rPr lang="en-GB" sz="1600" dirty="0">
+                          <a:effectLst/>
+                        </a:rPr>
+                        <a:t>Editor</a:t>
                       </a:r>
                       <a:endParaRPr lang="zh-CN" sz="1600" dirty="0">
                         <a:effectLst/>
@@ -11993,7 +12005,7 @@
                         <a:rPr lang="en-GB" sz="1600" dirty="0">
                           <a:effectLst/>
                         </a:rPr>
-                        <a:t>UI Designer, Tester, Website Editor, Video Editor</a:t>
+                        <a:t>UI Designer, Tester, Website Editor</a:t>
                       </a:r>
                       <a:endParaRPr lang="zh-CN" sz="1600" dirty="0">
                         <a:effectLst/>
